--- a/courses/apcsa/processing/processing3.pptx
+++ b/courses/apcsa/processing/processing3.pptx
@@ -5,7 +5,7 @@
     <p:sldMasterId id="2147483791" r:id="rId1"/>
   </p:sldMasterIdLst>
   <p:notesMasterIdLst>
-    <p:notesMasterId r:id="rId17"/>
+    <p:notesMasterId r:id="rId18"/>
   </p:notesMasterIdLst>
   <p:sldIdLst>
     <p:sldId id="555" r:id="rId2"/>
@@ -23,6 +23,7 @@
     <p:sldId id="565" r:id="rId14"/>
     <p:sldId id="567" r:id="rId15"/>
     <p:sldId id="566" r:id="rId16"/>
+    <p:sldId id="568" r:id="rId17"/>
   </p:sldIdLst>
   <p:sldSz cx="9144000" cy="5715000" type="screen16x10"/>
   <p:notesSz cx="6858000" cy="9144000"/>
@@ -132,7 +133,7 @@
 <file path=ppt/revisionInfo.xml><?xml version="1.0" encoding="utf-8"?>
 <p1510:revInfo xmlns:a="http://schemas.openxmlformats.org/drawingml/2006/main" xmlns:r="http://schemas.openxmlformats.org/officeDocument/2006/relationships" xmlns:p1510="http://schemas.microsoft.com/office/powerpoint/2015/10/main">
   <p1510:revLst>
-    <p1510:client id="{8DDB6379-0F6F-E74E-B186-CF6D55281A1A}" v="123" dt="2021-03-23T16:37:16.638"/>
+    <p1510:client id="{8DDB6379-0F6F-E74E-B186-CF6D55281A1A}" v="128" dt="2021-03-23T16:48:07.980"/>
   </p1510:revLst>
 </p1510:revInfo>
 </file>
@@ -2195,8 +2196,8 @@
   </pc:docChgLst>
   <pc:docChgLst>
     <pc:chgData name="Long B Nguyen" userId="f59fb8f3-a021-417a-8bc1-65c8d471c621" providerId="ADAL" clId="{8DDB6379-0F6F-E74E-B186-CF6D55281A1A}"/>
-    <pc:docChg chg="modSld">
-      <pc:chgData name="Long B Nguyen" userId="f59fb8f3-a021-417a-8bc1-65c8d471c621" providerId="ADAL" clId="{8DDB6379-0F6F-E74E-B186-CF6D55281A1A}" dt="2021-03-23T16:37:39.116" v="194" actId="20577"/>
+    <pc:docChg chg="addSld delSld modSld">
+      <pc:chgData name="Long B Nguyen" userId="f59fb8f3-a021-417a-8bc1-65c8d471c621" providerId="ADAL" clId="{8DDB6379-0F6F-E74E-B186-CF6D55281A1A}" dt="2021-03-23T16:48:07.980" v="205" actId="1076"/>
       <pc:docMkLst>
         <pc:docMk/>
       </pc:docMkLst>
@@ -2341,13 +2342,13 @@
         </pc:cxnChg>
       </pc:sldChg>
       <pc:sldChg chg="modSp mod">
-        <pc:chgData name="Long B Nguyen" userId="f59fb8f3-a021-417a-8bc1-65c8d471c621" providerId="ADAL" clId="{8DDB6379-0F6F-E74E-B186-CF6D55281A1A}" dt="2021-03-23T16:37:39.116" v="194" actId="20577"/>
+        <pc:chgData name="Long B Nguyen" userId="f59fb8f3-a021-417a-8bc1-65c8d471c621" providerId="ADAL" clId="{8DDB6379-0F6F-E74E-B186-CF6D55281A1A}" dt="2021-03-23T16:48:01.194" v="203" actId="20577"/>
         <pc:sldMkLst>
           <pc:docMk/>
           <pc:sldMk cId="330158964" sldId="566"/>
         </pc:sldMkLst>
         <pc:spChg chg="mod">
-          <ac:chgData name="Long B Nguyen" userId="f59fb8f3-a021-417a-8bc1-65c8d471c621" providerId="ADAL" clId="{8DDB6379-0F6F-E74E-B186-CF6D55281A1A}" dt="2021-03-23T16:37:39.116" v="194" actId="20577"/>
+          <ac:chgData name="Long B Nguyen" userId="f59fb8f3-a021-417a-8bc1-65c8d471c621" providerId="ADAL" clId="{8DDB6379-0F6F-E74E-B186-CF6D55281A1A}" dt="2021-03-23T16:48:01.194" v="203" actId="20577"/>
           <ac:spMkLst>
             <pc:docMk/>
             <pc:sldMk cId="330158964" sldId="566"/>
@@ -2377,6 +2378,36 @@
             <ac:spMk id="35842" creationId="{C94BCA01-D831-ED4D-84FD-C30E8117F872}"/>
           </ac:spMkLst>
         </pc:spChg>
+      </pc:sldChg>
+      <pc:sldChg chg="modSp new del">
+        <pc:chgData name="Long B Nguyen" userId="f59fb8f3-a021-417a-8bc1-65c8d471c621" providerId="ADAL" clId="{8DDB6379-0F6F-E74E-B186-CF6D55281A1A}" dt="2021-03-23T16:47:41.694" v="200" actId="2696"/>
+        <pc:sldMkLst>
+          <pc:docMk/>
+          <pc:sldMk cId="1445165199" sldId="568"/>
+        </pc:sldMkLst>
+        <pc:spChg chg="mod">
+          <ac:chgData name="Long B Nguyen" userId="f59fb8f3-a021-417a-8bc1-65c8d471c621" providerId="ADAL" clId="{8DDB6379-0F6F-E74E-B186-CF6D55281A1A}" dt="2021-03-23T16:47:22.247" v="196"/>
+          <ac:spMkLst>
+            <pc:docMk/>
+            <pc:sldMk cId="1445165199" sldId="568"/>
+            <ac:spMk id="3" creationId="{DAFD0FC7-1047-224D-913D-6149F5ADDA1E}"/>
+          </ac:spMkLst>
+        </pc:spChg>
+      </pc:sldChg>
+      <pc:sldChg chg="addSp modSp new">
+        <pc:chgData name="Long B Nguyen" userId="f59fb8f3-a021-417a-8bc1-65c8d471c621" providerId="ADAL" clId="{8DDB6379-0F6F-E74E-B186-CF6D55281A1A}" dt="2021-03-23T16:48:07.980" v="205" actId="1076"/>
+        <pc:sldMkLst>
+          <pc:docMk/>
+          <pc:sldMk cId="2706353281" sldId="568"/>
+        </pc:sldMkLst>
+        <pc:picChg chg="add mod">
+          <ac:chgData name="Long B Nguyen" userId="f59fb8f3-a021-417a-8bc1-65c8d471c621" providerId="ADAL" clId="{8DDB6379-0F6F-E74E-B186-CF6D55281A1A}" dt="2021-03-23T16:48:07.980" v="205" actId="1076"/>
+          <ac:picMkLst>
+            <pc:docMk/>
+            <pc:sldMk cId="2706353281" sldId="568"/>
+            <ac:picMk id="4" creationId="{A14B00F8-859A-0948-A91B-3DD557035062}"/>
+          </ac:picMkLst>
+        </pc:picChg>
       </pc:sldChg>
     </pc:docChg>
   </pc:docChgLst>
@@ -11183,15 +11214,6 @@
             <a:pPr marL="0" indent="0">
               <a:buNone/>
             </a:pPr>
-            <a:endParaRPr lang="en-US" altLang="en-US" sz="2167" dirty="0">
-              <a:latin typeface="Gill Sans MT" panose="020B0502020104020203" pitchFamily="34" charset="77"/>
-              <a:ea typeface="ＭＳ Ｐゴシック" panose="020B0600070205080204" pitchFamily="34" charset="-128"/>
-            </a:endParaRPr>
-          </a:p>
-          <a:p>
-            <a:pPr marL="0" indent="0">
-              <a:buNone/>
-            </a:pPr>
             <a:r>
               <a:rPr lang="en-US" altLang="en-US" sz="2167" dirty="0">
                 <a:latin typeface="Gill Sans MT" panose="020B0502020104020203" pitchFamily="34" charset="77"/>
@@ -11246,21 +11268,7 @@
                 <a:latin typeface="Gill Sans MT" panose="020B0502020104020203" pitchFamily="34" charset="77"/>
                 <a:ea typeface="ＭＳ Ｐゴシック" panose="020B0600070205080204" pitchFamily="34" charset="-128"/>
               </a:rPr>
-              <a:t>. Then </a:t>
-            </a:r>
-            <a:r>
-              <a:rPr lang="en-US" altLang="en-US" sz="2167">
-                <a:latin typeface="Gill Sans MT" panose="020B0502020104020203" pitchFamily="34" charset="77"/>
-                <a:ea typeface="ＭＳ Ｐゴシック" panose="020B0600070205080204" pitchFamily="34" charset="-128"/>
-              </a:rPr>
-              <a:t>implement draw() so </a:t>
-            </a:r>
-            <a:r>
-              <a:rPr lang="en-US" altLang="en-US" sz="2167" dirty="0">
-                <a:latin typeface="Gill Sans MT" panose="020B0502020104020203" pitchFamily="34" charset="77"/>
-                <a:ea typeface="ＭＳ Ｐゴシック" panose="020B0600070205080204" pitchFamily="34" charset="-128"/>
-              </a:rPr>
-              <a:t>that as the tank moves about, it picks up coins and coins are removed from the screen appropriately.</a:t>
+              <a:t>. Then implement draw() so that as the tank moves about, it picks up coins and coins are removed from the screen appropriately.</a:t>
             </a:r>
           </a:p>
           <a:p>
@@ -11283,6 +11291,43 @@
               </a:rPr>
               <a:t>Display the text which shows the coin count. For example, "Coins: 10" and update appropriately. </a:t>
             </a:r>
+          </a:p>
+          <a:p>
+            <a:pPr marL="0" indent="0">
+              <a:buNone/>
+            </a:pPr>
+            <a:endParaRPr lang="en-US" altLang="en-US" sz="2167" dirty="0">
+              <a:latin typeface="Gill Sans MT" panose="020B0502020104020203" pitchFamily="34" charset="77"/>
+              <a:ea typeface="ＭＳ Ｐゴシック" panose="020B0600070205080204" pitchFamily="34" charset="-128"/>
+            </a:endParaRPr>
+          </a:p>
+          <a:p>
+            <a:pPr marL="0" indent="0">
+              <a:buNone/>
+            </a:pPr>
+            <a:r>
+              <a:rPr lang="en-US" sz="2000" dirty="0"/>
+              <a:t>A template for this lab with comments explaining the lab is available on my website </a:t>
+            </a:r>
+            <a:r>
+              <a:rPr lang="en-US" sz="2000" dirty="0">
+                <a:hlinkClick r:id="rId2"/>
+              </a:rPr>
+              <a:t>here</a:t>
+            </a:r>
+            <a:r>
+              <a:rPr lang="en-US" sz="2000" dirty="0"/>
+              <a:t>.</a:t>
+            </a:r>
+          </a:p>
+          <a:p>
+            <a:pPr marL="0" indent="0">
+              <a:buNone/>
+            </a:pPr>
+            <a:endParaRPr lang="en-US" altLang="en-US" sz="2167" dirty="0">
+              <a:latin typeface="Gill Sans MT" panose="020B0502020104020203" pitchFamily="34" charset="77"/>
+              <a:ea typeface="ＭＳ Ｐゴシック" panose="020B0600070205080204" pitchFamily="34" charset="-128"/>
+            </a:endParaRPr>
           </a:p>
           <a:p>
             <a:pPr marL="0" indent="0">
@@ -11342,6 +11387,141 @@
     <a:masterClrMapping/>
   </p:clrMapOvr>
   <p:transition/>
+</p:sld>
+</file>
+
+<file path=ppt/slides/slide16.xml><?xml version="1.0" encoding="utf-8"?>
+<p:sld xmlns:a="http://schemas.openxmlformats.org/drawingml/2006/main" xmlns:r="http://schemas.openxmlformats.org/officeDocument/2006/relationships" xmlns:p="http://schemas.openxmlformats.org/presentationml/2006/main">
+  <p:cSld>
+    <p:spTree>
+      <p:nvGrpSpPr>
+        <p:cNvPr id="1" name=""/>
+        <p:cNvGrpSpPr/>
+        <p:nvPr/>
+      </p:nvGrpSpPr>
+      <p:grpSpPr>
+        <a:xfrm>
+          <a:off x="0" y="0"/>
+          <a:ext cx="0" cy="0"/>
+          <a:chOff x="0" y="0"/>
+          <a:chExt cx="0" cy="0"/>
+        </a:xfrm>
+      </p:grpSpPr>
+      <p:sp>
+        <p:nvSpPr>
+          <p:cNvPr id="2" name="Title 1">
+            <a:extLst>
+              <a:ext uri="{FF2B5EF4-FFF2-40B4-BE49-F238E27FC236}">
+                <a16:creationId xmlns:a16="http://schemas.microsoft.com/office/drawing/2014/main" id="{AFD9AE9C-8951-2141-9809-C8E80796C8E0}"/>
+              </a:ext>
+            </a:extLst>
+          </p:cNvPr>
+          <p:cNvSpPr>
+            <a:spLocks noGrp="1"/>
+          </p:cNvSpPr>
+          <p:nvPr>
+            <p:ph type="title"/>
+          </p:nvPr>
+        </p:nvSpPr>
+        <p:spPr/>
+        <p:txBody>
+          <a:bodyPr/>
+          <a:lstStyle/>
+          <a:p>
+            <a:endParaRPr lang="en-US"/>
+          </a:p>
+        </p:txBody>
+      </p:sp>
+      <p:sp>
+        <p:nvSpPr>
+          <p:cNvPr id="3" name="Content Placeholder 2">
+            <a:extLst>
+              <a:ext uri="{FF2B5EF4-FFF2-40B4-BE49-F238E27FC236}">
+                <a16:creationId xmlns:a16="http://schemas.microsoft.com/office/drawing/2014/main" id="{77A2E5C1-3476-4143-8714-9A85BEDF2D87}"/>
+              </a:ext>
+            </a:extLst>
+          </p:cNvPr>
+          <p:cNvSpPr>
+            <a:spLocks noGrp="1"/>
+          </p:cNvSpPr>
+          <p:nvPr>
+            <p:ph idx="1"/>
+          </p:nvPr>
+        </p:nvSpPr>
+        <p:spPr/>
+        <p:txBody>
+          <a:bodyPr/>
+          <a:lstStyle/>
+          <a:p>
+            <a:endParaRPr lang="en-US"/>
+          </a:p>
+        </p:txBody>
+      </p:sp>
+      <p:pic>
+        <p:nvPicPr>
+          <p:cNvPr id="4" name="Picture 1">
+            <a:extLst>
+              <a:ext uri="{FF2B5EF4-FFF2-40B4-BE49-F238E27FC236}">
+                <a16:creationId xmlns:a16="http://schemas.microsoft.com/office/drawing/2014/main" id="{A14B00F8-859A-0948-A91B-3DD557035062}"/>
+              </a:ext>
+            </a:extLst>
+          </p:cNvPr>
+          <p:cNvPicPr>
+            <a:picLocks noChangeAspect="1"/>
+          </p:cNvPicPr>
+          <p:nvPr/>
+        </p:nvPicPr>
+        <p:blipFill>
+          <a:blip r:embed="rId2">
+            <a:extLst>
+              <a:ext uri="{28A0092B-C50C-407E-A947-70E740481C1C}">
+                <a14:useLocalDpi xmlns:a14="http://schemas.microsoft.com/office/drawing/2010/main" val="0"/>
+              </a:ext>
+            </a:extLst>
+          </a:blip>
+          <a:srcRect/>
+          <a:stretch>
+            <a:fillRect/>
+          </a:stretch>
+        </p:blipFill>
+        <p:spPr bwMode="auto">
+          <a:xfrm>
+            <a:off x="1896010" y="986631"/>
+            <a:ext cx="5105400" cy="3741737"/>
+          </a:xfrm>
+          <a:prstGeom prst="rect">
+            <a:avLst/>
+          </a:prstGeom>
+          <a:noFill/>
+          <a:ln w="25400">
+            <a:solidFill>
+              <a:schemeClr val="tx1"/>
+            </a:solidFill>
+            <a:miter lim="800000"/>
+            <a:headEnd/>
+            <a:tailEnd/>
+          </a:ln>
+          <a:extLst>
+            <a:ext uri="{909E8E84-426E-40DD-AFC4-6F175D3DCCD1}">
+              <a14:hiddenFill xmlns:a14="http://schemas.microsoft.com/office/drawing/2010/main">
+                <a:solidFill>
+                  <a:srgbClr val="FFFFFF"/>
+                </a:solidFill>
+              </a14:hiddenFill>
+            </a:ext>
+          </a:extLst>
+        </p:spPr>
+      </p:pic>
+    </p:spTree>
+    <p:extLst>
+      <p:ext uri="{BB962C8B-B14F-4D97-AF65-F5344CB8AC3E}">
+        <p14:creationId xmlns:p14="http://schemas.microsoft.com/office/powerpoint/2010/main" val="2706353281"/>
+      </p:ext>
+    </p:extLst>
+  </p:cSld>
+  <p:clrMapOvr>
+    <a:masterClrMapping/>
+  </p:clrMapOvr>
 </p:sld>
 </file>
 

--- a/courses/apcsa/processing/processing3.pptx
+++ b/courses/apcsa/processing/processing3.pptx
@@ -133,7 +133,7 @@
 <file path=ppt/revisionInfo.xml><?xml version="1.0" encoding="utf-8"?>
 <p1510:revInfo xmlns:a="http://schemas.openxmlformats.org/drawingml/2006/main" xmlns:r="http://schemas.openxmlformats.org/officeDocument/2006/relationships" xmlns:p1510="http://schemas.microsoft.com/office/powerpoint/2015/10/main">
   <p1510:revLst>
-    <p1510:client id="{8DDB6379-0F6F-E74E-B186-CF6D55281A1A}" v="128" dt="2021-03-23T16:48:07.980"/>
+    <p1510:client id="{8DDB6379-0F6F-E74E-B186-CF6D55281A1A}" v="241" dt="2021-03-24T14:38:06.203"/>
   </p1510:revLst>
 </p1510:revInfo>
 </file>
@@ -2197,7 +2197,7 @@
   <pc:docChgLst>
     <pc:chgData name="Long B Nguyen" userId="f59fb8f3-a021-417a-8bc1-65c8d471c621" providerId="ADAL" clId="{8DDB6379-0F6F-E74E-B186-CF6D55281A1A}"/>
     <pc:docChg chg="addSld delSld modSld">
-      <pc:chgData name="Long B Nguyen" userId="f59fb8f3-a021-417a-8bc1-65c8d471c621" providerId="ADAL" clId="{8DDB6379-0F6F-E74E-B186-CF6D55281A1A}" dt="2021-03-23T16:48:07.980" v="205" actId="1076"/>
+      <pc:chgData name="Long B Nguyen" userId="f59fb8f3-a021-417a-8bc1-65c8d471c621" providerId="ADAL" clId="{8DDB6379-0F6F-E74E-B186-CF6D55281A1A}" dt="2021-03-24T14:38:06.202" v="331" actId="20577"/>
       <pc:docMkLst>
         <pc:docMk/>
       </pc:docMkLst>
@@ -2217,13 +2217,13 @@
         </pc:spChg>
       </pc:sldChg>
       <pc:sldChg chg="modSp mod">
-        <pc:chgData name="Long B Nguyen" userId="f59fb8f3-a021-417a-8bc1-65c8d471c621" providerId="ADAL" clId="{8DDB6379-0F6F-E74E-B186-CF6D55281A1A}" dt="2021-03-23T16:29:52.282" v="4" actId="20577"/>
+        <pc:chgData name="Long B Nguyen" userId="f59fb8f3-a021-417a-8bc1-65c8d471c621" providerId="ADAL" clId="{8DDB6379-0F6F-E74E-B186-CF6D55281A1A}" dt="2021-03-24T14:37:00.996" v="216" actId="1076"/>
         <pc:sldMkLst>
           <pc:docMk/>
           <pc:sldMk cId="3939507383" sldId="365"/>
         </pc:sldMkLst>
         <pc:spChg chg="mod">
-          <ac:chgData name="Long B Nguyen" userId="f59fb8f3-a021-417a-8bc1-65c8d471c621" providerId="ADAL" clId="{8DDB6379-0F6F-E74E-B186-CF6D55281A1A}" dt="2021-03-23T16:29:52.282" v="4" actId="20577"/>
+          <ac:chgData name="Long B Nguyen" userId="f59fb8f3-a021-417a-8bc1-65c8d471c621" providerId="ADAL" clId="{8DDB6379-0F6F-E74E-B186-CF6D55281A1A}" dt="2021-03-24T14:37:00.996" v="216" actId="1076"/>
           <ac:spMkLst>
             <pc:docMk/>
             <pc:sldMk cId="3939507383" sldId="365"/>
@@ -2231,14 +2231,14 @@
           </ac:spMkLst>
         </pc:spChg>
       </pc:sldChg>
-      <pc:sldChg chg="modSp">
-        <pc:chgData name="Long B Nguyen" userId="f59fb8f3-a021-417a-8bc1-65c8d471c621" providerId="ADAL" clId="{8DDB6379-0F6F-E74E-B186-CF6D55281A1A}" dt="2021-03-23T16:30:13.788" v="23" actId="20577"/>
+      <pc:sldChg chg="modSp mod">
+        <pc:chgData name="Long B Nguyen" userId="f59fb8f3-a021-417a-8bc1-65c8d471c621" providerId="ADAL" clId="{8DDB6379-0F6F-E74E-B186-CF6D55281A1A}" dt="2021-03-24T14:37:17.543" v="234" actId="1076"/>
         <pc:sldMkLst>
           <pc:docMk/>
           <pc:sldMk cId="2512088621" sldId="366"/>
         </pc:sldMkLst>
         <pc:spChg chg="mod">
-          <ac:chgData name="Long B Nguyen" userId="f59fb8f3-a021-417a-8bc1-65c8d471c621" providerId="ADAL" clId="{8DDB6379-0F6F-E74E-B186-CF6D55281A1A}" dt="2021-03-23T16:30:13.788" v="23" actId="20577"/>
+          <ac:chgData name="Long B Nguyen" userId="f59fb8f3-a021-417a-8bc1-65c8d471c621" providerId="ADAL" clId="{8DDB6379-0F6F-E74E-B186-CF6D55281A1A}" dt="2021-03-24T14:37:17.543" v="234" actId="1076"/>
           <ac:spMkLst>
             <pc:docMk/>
             <pc:sldMk cId="2512088621" sldId="366"/>
@@ -2247,7 +2247,7 @@
         </pc:spChg>
       </pc:sldChg>
       <pc:sldChg chg="modSp mod modAnim">
-        <pc:chgData name="Long B Nguyen" userId="f59fb8f3-a021-417a-8bc1-65c8d471c621" providerId="ADAL" clId="{8DDB6379-0F6F-E74E-B186-CF6D55281A1A}" dt="2021-03-23T16:36:44.924" v="120" actId="20577"/>
+        <pc:chgData name="Long B Nguyen" userId="f59fb8f3-a021-417a-8bc1-65c8d471c621" providerId="ADAL" clId="{8DDB6379-0F6F-E74E-B186-CF6D55281A1A}" dt="2021-03-24T14:38:06.202" v="331" actId="20577"/>
         <pc:sldMkLst>
           <pc:docMk/>
           <pc:sldMk cId="4104989124" sldId="565"/>
@@ -2293,7 +2293,7 @@
           </ac:spMkLst>
         </pc:spChg>
         <pc:spChg chg="mod">
-          <ac:chgData name="Long B Nguyen" userId="f59fb8f3-a021-417a-8bc1-65c8d471c621" providerId="ADAL" clId="{8DDB6379-0F6F-E74E-B186-CF6D55281A1A}" dt="2021-03-23T16:36:44.924" v="120" actId="20577"/>
+          <ac:chgData name="Long B Nguyen" userId="f59fb8f3-a021-417a-8bc1-65c8d471c621" providerId="ADAL" clId="{8DDB6379-0F6F-E74E-B186-CF6D55281A1A}" dt="2021-03-24T14:38:06.202" v="331" actId="20577"/>
           <ac:spMkLst>
             <pc:docMk/>
             <pc:sldMk cId="4104989124" sldId="565"/>
@@ -4726,7 +4726,7 @@
           <a:p>
             <a:fld id="{29FB45CD-1365-4F4B-B580-C19222E1A371}" type="datetimeFigureOut">
               <a:rPr lang="en-US" smtClean="0"/>
-              <a:t>3/23/21</a:t>
+              <a:t>3/24/21</a:t>
             </a:fld>
             <a:endParaRPr lang="en-US"/>
           </a:p>
@@ -5208,7 +5208,7 @@
           <a:p>
             <a:fld id="{4AAD347D-5ACD-4C99-B74B-A9C85AD731AF}" type="datetimeFigureOut">
               <a:rPr lang="en-US" smtClean="0"/>
-              <a:t>3/23/21</a:t>
+              <a:t>3/24/21</a:t>
             </a:fld>
             <a:endParaRPr lang="en-US" dirty="0"/>
           </a:p>
@@ -5378,7 +5378,7 @@
           <a:p>
             <a:fld id="{4509A250-FF31-4206-8172-F9D3106AACB1}" type="datetimeFigureOut">
               <a:rPr lang="en-US" smtClean="0"/>
-              <a:t>3/23/21</a:t>
+              <a:t>3/24/21</a:t>
             </a:fld>
             <a:endParaRPr lang="en-US" dirty="0"/>
           </a:p>
@@ -5558,7 +5558,7 @@
           <a:p>
             <a:fld id="{4509A250-FF31-4206-8172-F9D3106AACB1}" type="datetimeFigureOut">
               <a:rPr lang="en-US" smtClean="0"/>
-              <a:t>3/23/21</a:t>
+              <a:t>3/24/21</a:t>
             </a:fld>
             <a:endParaRPr lang="en-US" dirty="0"/>
           </a:p>
@@ -5728,7 +5728,7 @@
           <a:p>
             <a:fld id="{4509A250-FF31-4206-8172-F9D3106AACB1}" type="datetimeFigureOut">
               <a:rPr lang="en-US" smtClean="0"/>
-              <a:t>3/23/21</a:t>
+              <a:t>3/24/21</a:t>
             </a:fld>
             <a:endParaRPr lang="en-US" dirty="0"/>
           </a:p>
@@ -5974,7 +5974,7 @@
           <a:p>
             <a:fld id="{9796027F-7875-4030-9381-8BD8C4F21935}" type="datetimeFigureOut">
               <a:rPr lang="en-US" smtClean="0"/>
-              <a:t>3/23/21</a:t>
+              <a:t>3/24/21</a:t>
             </a:fld>
             <a:endParaRPr lang="en-US" dirty="0"/>
           </a:p>
@@ -6206,7 +6206,7 @@
           <a:p>
             <a:fld id="{9796027F-7875-4030-9381-8BD8C4F21935}" type="datetimeFigureOut">
               <a:rPr lang="en-US" smtClean="0"/>
-              <a:t>3/23/21</a:t>
+              <a:t>3/24/21</a:t>
             </a:fld>
             <a:endParaRPr lang="en-US" dirty="0"/>
           </a:p>
@@ -6573,7 +6573,7 @@
           <a:p>
             <a:fld id="{9796027F-7875-4030-9381-8BD8C4F21935}" type="datetimeFigureOut">
               <a:rPr lang="en-US" smtClean="0"/>
-              <a:t>3/23/21</a:t>
+              <a:t>3/24/21</a:t>
             </a:fld>
             <a:endParaRPr lang="en-US" dirty="0"/>
           </a:p>
@@ -6691,7 +6691,7 @@
           <a:p>
             <a:fld id="{4509A250-FF31-4206-8172-F9D3106AACB1}" type="datetimeFigureOut">
               <a:rPr lang="en-US" smtClean="0"/>
-              <a:t>3/23/21</a:t>
+              <a:t>3/24/21</a:t>
             </a:fld>
             <a:endParaRPr lang="en-US" dirty="0"/>
           </a:p>
@@ -6786,7 +6786,7 @@
           <a:p>
             <a:fld id="{4509A250-FF31-4206-8172-F9D3106AACB1}" type="datetimeFigureOut">
               <a:rPr lang="en-US" smtClean="0"/>
-              <a:t>3/23/21</a:t>
+              <a:t>3/24/21</a:t>
             </a:fld>
             <a:endParaRPr lang="en-US" dirty="0"/>
           </a:p>
@@ -7063,7 +7063,7 @@
           <a:p>
             <a:fld id="{4509A250-FF31-4206-8172-F9D3106AACB1}" type="datetimeFigureOut">
               <a:rPr lang="en-US" smtClean="0"/>
-              <a:t>3/23/21</a:t>
+              <a:t>3/24/21</a:t>
             </a:fld>
             <a:endParaRPr lang="en-US" dirty="0"/>
           </a:p>
@@ -7320,7 +7320,7 @@
           <a:p>
             <a:fld id="{4509A250-FF31-4206-8172-F9D3106AACB1}" type="datetimeFigureOut">
               <a:rPr lang="en-US" smtClean="0"/>
-              <a:t>3/23/21</a:t>
+              <a:t>3/24/21</a:t>
             </a:fld>
             <a:endParaRPr lang="en-US" dirty="0"/>
           </a:p>
@@ -7533,7 +7533,7 @@
           <a:p>
             <a:fld id="{4AAD347D-5ACD-4C99-B74B-A9C85AD731AF}" type="datetimeFigureOut">
               <a:rPr lang="en-US" smtClean="0"/>
-              <a:t>3/23/21</a:t>
+              <a:t>3/24/21</a:t>
             </a:fld>
             <a:endParaRPr lang="en-US" dirty="0"/>
           </a:p>
@@ -9135,8 +9135,8 @@
         </p:nvSpPr>
         <p:spPr>
           <a:xfrm>
-            <a:off x="1458188" y="3970437"/>
-            <a:ext cx="5522237" cy="615553"/>
+            <a:off x="1228515" y="3984427"/>
+            <a:ext cx="6100024" cy="615553"/>
           </a:xfrm>
           <a:prstGeom prst="rect">
             <a:avLst/>
@@ -9149,6 +9149,24 @@
           </a:bodyPr>
           <a:lstStyle/>
           <a:p>
+            <a:r>
+              <a:rPr lang="en-US" sz="1700" b="1" dirty="0" err="1">
+                <a:solidFill>
+                  <a:srgbClr val="FF0000"/>
+                </a:solidFill>
+                <a:latin typeface="Inconsolata" panose="020B0609030003000000" pitchFamily="49" charset="77"/>
+              </a:rPr>
+              <a:t>boolean</a:t>
+            </a:r>
+            <a:r>
+              <a:rPr lang="en-US" sz="1700" b="1" dirty="0">
+                <a:solidFill>
+                  <a:srgbClr val="FF0000"/>
+                </a:solidFill>
+                <a:latin typeface="Inconsolata" panose="020B0609030003000000" pitchFamily="49" charset="77"/>
+              </a:rPr>
+              <a:t> </a:t>
+            </a:r>
             <a:r>
               <a:rPr lang="en-US" sz="1700" b="1" dirty="0" err="1">
                 <a:solidFill>
@@ -9587,8 +9605,8 @@
         </p:nvSpPr>
         <p:spPr>
           <a:xfrm>
-            <a:off x="1364894" y="3874548"/>
-            <a:ext cx="5522237" cy="1400383"/>
+            <a:off x="1163805" y="3881858"/>
+            <a:ext cx="6615301" cy="1400383"/>
           </a:xfrm>
           <a:prstGeom prst="rect">
             <a:avLst/>
@@ -9608,6 +9626,24 @@
                 </a:solidFill>
                 <a:latin typeface="Inconsolata" panose="020B0609030003000000" pitchFamily="49" charset="77"/>
               </a:rPr>
+              <a:t>boolean</a:t>
+            </a:r>
+            <a:r>
+              <a:rPr lang="en-US" sz="1700" b="1" dirty="0">
+                <a:solidFill>
+                  <a:srgbClr val="FF0000"/>
+                </a:solidFill>
+                <a:latin typeface="Inconsolata" panose="020B0609030003000000" pitchFamily="49" charset="77"/>
+              </a:rPr>
+              <a:t> </a:t>
+            </a:r>
+            <a:r>
+              <a:rPr lang="en-US" sz="1700" b="1" dirty="0" err="1">
+                <a:solidFill>
+                  <a:srgbClr val="FF0000"/>
+                </a:solidFill>
+                <a:latin typeface="Inconsolata" panose="020B0609030003000000" pitchFamily="49" charset="77"/>
+              </a:rPr>
               <a:t>x_overlap</a:t>
             </a:r>
             <a:r>
@@ -9621,6 +9657,24 @@
             </a:r>
           </a:p>
           <a:p>
+            <a:r>
+              <a:rPr lang="en-US" sz="1700" b="1" dirty="0" err="1">
+                <a:solidFill>
+                  <a:srgbClr val="FF0000"/>
+                </a:solidFill>
+                <a:latin typeface="Inconsolata" panose="020B0609030003000000" pitchFamily="49" charset="77"/>
+              </a:rPr>
+              <a:t>boolean</a:t>
+            </a:r>
+            <a:r>
+              <a:rPr lang="en-US" sz="1700" b="1" dirty="0">
+                <a:solidFill>
+                  <a:srgbClr val="FF0000"/>
+                </a:solidFill>
+                <a:latin typeface="Inconsolata" panose="020B0609030003000000" pitchFamily="49" charset="77"/>
+              </a:rPr>
+              <a:t> </a:t>
+            </a:r>
             <a:r>
               <a:rPr lang="en-US" sz="1700" b="1" dirty="0" err="1">
                 <a:solidFill>
@@ -9924,7 +9978,7 @@
                 <a:latin typeface="Gill Sans MT" panose="020B0502020104020203" pitchFamily="34" charset="77"/>
                 <a:ea typeface="ＭＳ Ｐゴシック" panose="020B0600070205080204" pitchFamily="34" charset="-128"/>
               </a:rPr>
-              <a:t>We'll write the </a:t>
+              <a:t>In the lab at the end of these slides, we'll write the </a:t>
             </a:r>
             <a:r>
               <a:rPr lang="en-US" altLang="en-US" sz="2167" dirty="0" err="1">
@@ -9938,7 +9992,7 @@
                 <a:latin typeface="Gill Sans MT" panose="020B0502020104020203" pitchFamily="34" charset="77"/>
                 <a:ea typeface="ＭＳ Ｐゴシック" panose="020B0600070205080204" pitchFamily="34" charset="-128"/>
               </a:rPr>
-              <a:t> method which accepts two parameters: sprite1 and sprite2 and returns whether they intersect.</a:t>
+              <a:t> method which accepts two parameters: sprite1 and sprite2 and returns whether they intersect using the formulas we just discussed. </a:t>
             </a:r>
           </a:p>
           <a:p>
